--- a/PP_DL.pptx
+++ b/PP_DL.pptx
@@ -4,6 +4,9 @@
   <p:sldMasterIdLst>
     <p:sldMasterId id="2147483648" r:id="rId1"/>
   </p:sldMasterIdLst>
+  <p:notesMasterIdLst>
+    <p:notesMasterId r:id="rId17"/>
+  </p:notesMasterIdLst>
   <p:sldIdLst>
     <p:sldId id="256" r:id="rId3"/>
     <p:sldId id="258" r:id="rId4"/>
@@ -9529,6 +9532,353 @@
 </dgm:styleDef>
 </file>
 
+<file path=ppt/notesMasters/notesMaster1.xml><?xml version="1.0" encoding="utf-8"?>
+<p:notesMaster xmlns:a="http://schemas.openxmlformats.org/drawingml/2006/main" xmlns:r="http://schemas.openxmlformats.org/officeDocument/2006/relationships" xmlns:p="http://schemas.openxmlformats.org/presentationml/2006/main">
+  <p:cSld>
+    <p:bg>
+      <p:bgRef idx="1001">
+        <a:schemeClr val="bg1"/>
+      </p:bgRef>
+    </p:bg>
+    <p:spTree>
+      <p:nvGrpSpPr>
+        <p:cNvPr id="1" name=""/>
+        <p:cNvGrpSpPr/>
+        <p:nvPr/>
+      </p:nvGrpSpPr>
+      <p:grpSpPr>
+        <a:xfrm>
+          <a:off x="0" y="0"/>
+          <a:ext cx="0" cy="0"/>
+          <a:chOff x="0" y="0"/>
+          <a:chExt cx="0" cy="0"/>
+        </a:xfrm>
+      </p:grpSpPr>
+      <p:sp>
+        <p:nvSpPr>
+          <p:cNvPr id="2" name="Header Placeholder 1"/>
+          <p:cNvSpPr>
+            <a:spLocks noGrp="1"/>
+          </p:cNvSpPr>
+          <p:nvPr>
+            <p:ph type="hdr" sz="quarter"/>
+          </p:nvPr>
+        </p:nvSpPr>
+        <p:spPr>
+          <a:xfrm>
+            <a:off x="0" y="0"/>
+            <a:ext cx="2971800" cy="458788"/>
+          </a:xfrm>
+          <a:prstGeom prst="rect">
+            <a:avLst/>
+          </a:prstGeom>
+        </p:spPr>
+        <p:txBody>
+          <a:bodyPr vert="horz" lIns="91440" tIns="45720" rIns="91440" bIns="45720" rtlCol="0"/>
+          <a:lstStyle>
+            <a:lvl1pPr algn="l">
+              <a:defRPr sz="1200"/>
+            </a:lvl1pPr>
+          </a:lstStyle>
+          <a:p>
+            <a:endParaRPr lang="en-US"/>
+          </a:p>
+        </p:txBody>
+      </p:sp>
+      <p:sp>
+        <p:nvSpPr>
+          <p:cNvPr id="3" name="Date Placeholder 2"/>
+          <p:cNvSpPr>
+            <a:spLocks noGrp="1"/>
+          </p:cNvSpPr>
+          <p:nvPr>
+            <p:ph type="dt" idx="1"/>
+          </p:nvPr>
+        </p:nvSpPr>
+        <p:spPr>
+          <a:xfrm>
+            <a:off x="3884613" y="0"/>
+            <a:ext cx="2971800" cy="458788"/>
+          </a:xfrm>
+          <a:prstGeom prst="rect">
+            <a:avLst/>
+          </a:prstGeom>
+        </p:spPr>
+        <p:txBody>
+          <a:bodyPr vert="horz" lIns="91440" tIns="45720" rIns="91440" bIns="45720" rtlCol="0"/>
+          <a:lstStyle>
+            <a:lvl1pPr algn="r">
+              <a:defRPr sz="1200"/>
+            </a:lvl1pPr>
+          </a:lstStyle>
+          <a:p>
+            <a:fld id="{3EFD42F7-718C-4B98-AAEC-167E6DDD60A7}" type="datetimeFigureOut">
+              <a:rPr lang="en-US" smtClean="0"/>
+            </a:fld>
+            <a:endParaRPr lang="en-US"/>
+          </a:p>
+        </p:txBody>
+      </p:sp>
+      <p:sp>
+        <p:nvSpPr>
+          <p:cNvPr id="4" name="Slide Image Placeholder 3"/>
+          <p:cNvSpPr>
+            <a:spLocks noGrp="1" noRot="1" noChangeAspect="1"/>
+          </p:cNvSpPr>
+          <p:nvPr>
+            <p:ph type="sldImg" idx="2"/>
+          </p:nvPr>
+        </p:nvSpPr>
+        <p:spPr>
+          <a:xfrm>
+            <a:off x="685800" y="1143000"/>
+            <a:ext cx="5486400" cy="3086100"/>
+          </a:xfrm>
+          <a:prstGeom prst="rect">
+            <a:avLst/>
+          </a:prstGeom>
+          <a:noFill/>
+          <a:ln w="12700">
+            <a:solidFill>
+              <a:prstClr val="black"/>
+            </a:solidFill>
+          </a:ln>
+        </p:spPr>
+        <p:txBody>
+          <a:bodyPr vert="horz" lIns="91440" tIns="45720" rIns="91440" bIns="45720" rtlCol="0" anchor="ctr"/>
+          <a:lstStyle/>
+          <a:p>
+            <a:endParaRPr lang="en-US"/>
+          </a:p>
+        </p:txBody>
+      </p:sp>
+      <p:sp>
+        <p:nvSpPr>
+          <p:cNvPr id="5" name="Notes Placeholder 4"/>
+          <p:cNvSpPr>
+            <a:spLocks noGrp="1"/>
+          </p:cNvSpPr>
+          <p:nvPr>
+            <p:ph type="body" sz="quarter" idx="3"/>
+          </p:nvPr>
+        </p:nvSpPr>
+        <p:spPr>
+          <a:xfrm>
+            <a:off x="685800" y="4400550"/>
+            <a:ext cx="5486400" cy="3600450"/>
+          </a:xfrm>
+          <a:prstGeom prst="rect">
+            <a:avLst/>
+          </a:prstGeom>
+        </p:spPr>
+        <p:txBody>
+          <a:bodyPr vert="horz" lIns="91440" tIns="45720" rIns="91440" bIns="45720" rtlCol="0"/>
+          <a:lstStyle/>
+          <a:p>
+            <a:pPr lvl="0"/>
+            <a:r>
+              <a:rPr lang="en-US" smtClean="0"/>
+              <a:t>Click to edit Master text styles</a:t>
+            </a:r>
+            <a:endParaRPr lang="en-US" smtClean="0"/>
+          </a:p>
+          <a:p>
+            <a:pPr lvl="1"/>
+            <a:r>
+              <a:rPr lang="en-US" smtClean="0"/>
+              <a:t>Second level</a:t>
+            </a:r>
+            <a:endParaRPr lang="en-US" smtClean="0"/>
+          </a:p>
+          <a:p>
+            <a:pPr lvl="2"/>
+            <a:r>
+              <a:rPr lang="en-US" smtClean="0"/>
+              <a:t>Third level</a:t>
+            </a:r>
+            <a:endParaRPr lang="en-US" smtClean="0"/>
+          </a:p>
+          <a:p>
+            <a:pPr lvl="3"/>
+            <a:r>
+              <a:rPr lang="en-US" smtClean="0"/>
+              <a:t>Fourth level</a:t>
+            </a:r>
+            <a:endParaRPr lang="en-US" smtClean="0"/>
+          </a:p>
+          <a:p>
+            <a:pPr lvl="4"/>
+            <a:r>
+              <a:rPr lang="en-US" smtClean="0"/>
+              <a:t>Fifth level</a:t>
+            </a:r>
+            <a:endParaRPr lang="en-US"/>
+          </a:p>
+        </p:txBody>
+      </p:sp>
+      <p:sp>
+        <p:nvSpPr>
+          <p:cNvPr id="6" name="Footer Placeholder 5"/>
+          <p:cNvSpPr>
+            <a:spLocks noGrp="1"/>
+          </p:cNvSpPr>
+          <p:nvPr>
+            <p:ph type="ftr" sz="quarter" idx="4"/>
+          </p:nvPr>
+        </p:nvSpPr>
+        <p:spPr>
+          <a:xfrm>
+            <a:off x="0" y="8685213"/>
+            <a:ext cx="2971800" cy="458787"/>
+          </a:xfrm>
+          <a:prstGeom prst="rect">
+            <a:avLst/>
+          </a:prstGeom>
+        </p:spPr>
+        <p:txBody>
+          <a:bodyPr vert="horz" lIns="91440" tIns="45720" rIns="91440" bIns="45720" rtlCol="0" anchor="b"/>
+          <a:lstStyle>
+            <a:lvl1pPr algn="l">
+              <a:defRPr sz="1200"/>
+            </a:lvl1pPr>
+          </a:lstStyle>
+          <a:p>
+            <a:endParaRPr lang="en-US"/>
+          </a:p>
+        </p:txBody>
+      </p:sp>
+      <p:sp>
+        <p:nvSpPr>
+          <p:cNvPr id="7" name="Slide Number Placeholder 6"/>
+          <p:cNvSpPr>
+            <a:spLocks noGrp="1"/>
+          </p:cNvSpPr>
+          <p:nvPr>
+            <p:ph type="sldNum" sz="quarter" idx="5"/>
+          </p:nvPr>
+        </p:nvSpPr>
+        <p:spPr>
+          <a:xfrm>
+            <a:off x="3884613" y="8685213"/>
+            <a:ext cx="2971800" cy="458787"/>
+          </a:xfrm>
+          <a:prstGeom prst="rect">
+            <a:avLst/>
+          </a:prstGeom>
+        </p:spPr>
+        <p:txBody>
+          <a:bodyPr vert="horz" lIns="91440" tIns="45720" rIns="91440" bIns="45720" rtlCol="0" anchor="b"/>
+          <a:lstStyle>
+            <a:lvl1pPr algn="r">
+              <a:defRPr sz="1200"/>
+            </a:lvl1pPr>
+          </a:lstStyle>
+          <a:p>
+            <a:fld id="{21B2AA4F-B828-4D7C-AFD3-893933DAFCB4}" type="slidenum">
+              <a:rPr lang="en-US" smtClean="0"/>
+            </a:fld>
+            <a:endParaRPr lang="en-US"/>
+          </a:p>
+        </p:txBody>
+      </p:sp>
+    </p:spTree>
+  </p:cSld>
+  <p:clrMap bg1="lt1" tx1="dk1" bg2="lt2" tx2="dk2" accent1="accent1" accent2="accent2" accent3="accent3" accent4="accent4" accent5="accent5" accent6="accent6" hlink="hlink" folHlink="folHlink"/>
+  <p:notesStyle>
+    <a:lvl1pPr marL="0" algn="l" defTabSz="914400" rtl="0" eaLnBrk="1" latinLnBrk="0" hangingPunct="1">
+      <a:defRPr sz="1200" kern="1200">
+        <a:solidFill>
+          <a:schemeClr val="tx1"/>
+        </a:solidFill>
+        <a:latin typeface="+mn-lt"/>
+        <a:ea typeface="+mn-ea"/>
+        <a:cs typeface="+mn-cs"/>
+      </a:defRPr>
+    </a:lvl1pPr>
+    <a:lvl2pPr marL="457200" algn="l" defTabSz="914400" rtl="0" eaLnBrk="1" latinLnBrk="0" hangingPunct="1">
+      <a:defRPr sz="1200" kern="1200">
+        <a:solidFill>
+          <a:schemeClr val="tx1"/>
+        </a:solidFill>
+        <a:latin typeface="+mn-lt"/>
+        <a:ea typeface="+mn-ea"/>
+        <a:cs typeface="+mn-cs"/>
+      </a:defRPr>
+    </a:lvl2pPr>
+    <a:lvl3pPr marL="914400" algn="l" defTabSz="914400" rtl="0" eaLnBrk="1" latinLnBrk="0" hangingPunct="1">
+      <a:defRPr sz="1200" kern="1200">
+        <a:solidFill>
+          <a:schemeClr val="tx1"/>
+        </a:solidFill>
+        <a:latin typeface="+mn-lt"/>
+        <a:ea typeface="+mn-ea"/>
+        <a:cs typeface="+mn-cs"/>
+      </a:defRPr>
+    </a:lvl3pPr>
+    <a:lvl4pPr marL="1371600" algn="l" defTabSz="914400" rtl="0" eaLnBrk="1" latinLnBrk="0" hangingPunct="1">
+      <a:defRPr sz="1200" kern="1200">
+        <a:solidFill>
+          <a:schemeClr val="tx1"/>
+        </a:solidFill>
+        <a:latin typeface="+mn-lt"/>
+        <a:ea typeface="+mn-ea"/>
+        <a:cs typeface="+mn-cs"/>
+      </a:defRPr>
+    </a:lvl4pPr>
+    <a:lvl5pPr marL="1828800" algn="l" defTabSz="914400" rtl="0" eaLnBrk="1" latinLnBrk="0" hangingPunct="1">
+      <a:defRPr sz="1200" kern="1200">
+        <a:solidFill>
+          <a:schemeClr val="tx1"/>
+        </a:solidFill>
+        <a:latin typeface="+mn-lt"/>
+        <a:ea typeface="+mn-ea"/>
+        <a:cs typeface="+mn-cs"/>
+      </a:defRPr>
+    </a:lvl5pPr>
+    <a:lvl6pPr marL="2286000" algn="l" defTabSz="914400" rtl="0" eaLnBrk="1" latinLnBrk="0" hangingPunct="1">
+      <a:defRPr sz="1200" kern="1200">
+        <a:solidFill>
+          <a:schemeClr val="tx1"/>
+        </a:solidFill>
+        <a:latin typeface="+mn-lt"/>
+        <a:ea typeface="+mn-ea"/>
+        <a:cs typeface="+mn-cs"/>
+      </a:defRPr>
+    </a:lvl6pPr>
+    <a:lvl7pPr marL="2743200" algn="l" defTabSz="914400" rtl="0" eaLnBrk="1" latinLnBrk="0" hangingPunct="1">
+      <a:defRPr sz="1200" kern="1200">
+        <a:solidFill>
+          <a:schemeClr val="tx1"/>
+        </a:solidFill>
+        <a:latin typeface="+mn-lt"/>
+        <a:ea typeface="+mn-ea"/>
+        <a:cs typeface="+mn-cs"/>
+      </a:defRPr>
+    </a:lvl7pPr>
+    <a:lvl8pPr marL="3200400" algn="l" defTabSz="914400" rtl="0" eaLnBrk="1" latinLnBrk="0" hangingPunct="1">
+      <a:defRPr sz="1200" kern="1200">
+        <a:solidFill>
+          <a:schemeClr val="tx1"/>
+        </a:solidFill>
+        <a:latin typeface="+mn-lt"/>
+        <a:ea typeface="+mn-ea"/>
+        <a:cs typeface="+mn-cs"/>
+      </a:defRPr>
+    </a:lvl8pPr>
+    <a:lvl9pPr marL="3657600" algn="l" defTabSz="914400" rtl="0" eaLnBrk="1" latinLnBrk="0" hangingPunct="1">
+      <a:defRPr sz="1200" kern="1200">
+        <a:solidFill>
+          <a:schemeClr val="tx1"/>
+        </a:solidFill>
+        <a:latin typeface="+mn-lt"/>
+        <a:ea typeface="+mn-ea"/>
+        <a:cs typeface="+mn-cs"/>
+      </a:defRPr>
+    </a:lvl9pPr>
+  </p:notesStyle>
+</p:notesMaster>
+</file>
+
 <file path=ppt/slideLayouts/slideLayout1.xml><?xml version="1.0" encoding="utf-8"?>
 <p:sldLayout xmlns:a="http://schemas.openxmlformats.org/drawingml/2006/main" xmlns:r="http://schemas.openxmlformats.org/officeDocument/2006/relationships" xmlns:p="http://schemas.openxmlformats.org/presentationml/2006/main" type="title" preserve="1">
   <p:cSld name="Title Slide">
@@ -9711,6 +10061,7 @@
   <p:clrMapOvr>
     <a:masterClrMapping/>
   </p:clrMapOvr>
+  <p:hf hdr="0" ftr="0" dt="0"/>
 </p:sldLayout>
 </file>
 
@@ -9878,6 +10229,7 @@
   <p:clrMapOvr>
     <a:masterClrMapping/>
   </p:clrMapOvr>
+  <p:hf hdr="0" ftr="0" dt="0"/>
 </p:sldLayout>
 </file>
 
@@ -10055,6 +10407,7 @@
   <p:clrMapOvr>
     <a:masterClrMapping/>
   </p:clrMapOvr>
+  <p:hf hdr="0" ftr="0" dt="0"/>
 </p:sldLayout>
 </file>
 
@@ -10222,6 +10575,7 @@
   <p:clrMapOvr>
     <a:masterClrMapping/>
   </p:clrMapOvr>
+  <p:hf hdr="0" ftr="0" dt="0"/>
 </p:sldLayout>
 </file>
 
@@ -10462,6 +10816,7 @@
   <p:clrMapOvr>
     <a:masterClrMapping/>
   </p:clrMapOvr>
+  <p:hf hdr="0" ftr="0" dt="0"/>
 </p:sldLayout>
 </file>
 
@@ -10695,6 +11050,7 @@
   <p:clrMapOvr>
     <a:masterClrMapping/>
   </p:clrMapOvr>
+  <p:hf hdr="0" ftr="0" dt="0"/>
 </p:sldLayout>
 </file>
 
@@ -11065,6 +11421,7 @@
   <p:clrMapOvr>
     <a:masterClrMapping/>
   </p:clrMapOvr>
+  <p:hf hdr="0" ftr="0" dt="0"/>
 </p:sldLayout>
 </file>
 
@@ -11176,6 +11533,7 @@
   <p:clrMapOvr>
     <a:masterClrMapping/>
   </p:clrMapOvr>
+  <p:hf hdr="0" ftr="0" dt="0"/>
 </p:sldLayout>
 </file>
 
@@ -11264,6 +11622,7 @@
   <p:clrMapOvr>
     <a:masterClrMapping/>
   </p:clrMapOvr>
+  <p:hf hdr="0" ftr="0" dt="0"/>
 </p:sldLayout>
 </file>
 
@@ -11539,6 +11898,7 @@
   <p:clrMapOvr>
     <a:masterClrMapping/>
   </p:clrMapOvr>
+  <p:hf hdr="0" ftr="0" dt="0"/>
 </p:sldLayout>
 </file>
 
@@ -11786,6 +12146,7 @@
   <p:clrMapOvr>
     <a:masterClrMapping/>
   </p:clrMapOvr>
+  <p:hf hdr="0" ftr="0" dt="0"/>
 </p:sldLayout>
 </file>
 
@@ -12043,6 +12404,7 @@
     <p:sldLayoutId id="2147483658" r:id="rId10"/>
     <p:sldLayoutId id="2147483659" r:id="rId11"/>
   </p:sldLayoutIdLst>
+  <p:hf hdr="0" ftr="0" dt="0"/>
   <p:txStyles>
     <p:titleStyle>
       <a:lvl1pPr algn="l" defTabSz="914400" rtl="0" eaLnBrk="1" latinLnBrk="0" hangingPunct="1">
@@ -12380,7 +12742,7 @@
         </p:nvSpPr>
         <p:spPr>
           <a:xfrm>
-            <a:off x="1524000" y="608965"/>
+            <a:off x="1524000" y="1012825"/>
             <a:ext cx="9144000" cy="3143250"/>
           </a:xfrm>
           <a:prstGeom prst="roundRect">
@@ -12433,7 +12795,47 @@
                 <a:latin typeface="Tahoma" panose="020B0604030504040204" charset="0"/>
                 <a:cs typeface="Tahoma" panose="020B0604030504040204" charset="0"/>
               </a:rPr>
-              <a:t>PHÁT HUY NGUỒN LỰC CON NGƯỜI LÀ YẾU TỐ CƠ BẢN CHO SỰ PHÁT TRIỂN VÀ BỀN VỮNG TRONG QUÁ TRÌNH CÔNG NGHIỆP HÓA - HIỆN ĐẠI HÓA</a:t>
+              <a:t>PHÁT HUY NGUỒN LỰC CON NGƯỜI LÀ YẾU TỐ CƠ BẢN CHO SỰ PHÁT TRIỂN VÀ BỀN VỮNG TRONG QUÁ TRÌNH CÔNG </a:t>
+            </a:r>
+            <a:r>
+              <a:rPr lang="en-US" sz="4000" b="1" dirty="0">
+                <a:ln w="10160">
+                  <a:solidFill>
+                    <a:schemeClr val="accent5"/>
+                  </a:solidFill>
+                  <a:prstDash val="solid"/>
+                </a:ln>
+                <a:solidFill>
+                  <a:srgbClr val="FFFFFF"/>
+                </a:solidFill>
+                <a:effectLst/>
+                <a:latin typeface="Tahoma" panose="020B0604030504040204" charset="0"/>
+                <a:cs typeface="Tahoma" panose="020B0604030504040204" charset="0"/>
+              </a:rPr>
+              <a:t>NGHIỆP </a:t>
+            </a:r>
+            <a:r>
+              <a:rPr lang="en-US" sz="4000" b="1" dirty="0">
+                <a:ln w="10160">
+                  <a:solidFill>
+                    <a:schemeClr val="accent5"/>
+                  </a:solidFill>
+                  <a:prstDash val="solid"/>
+                </a:ln>
+                <a:solidFill>
+                  <a:srgbClr val="FFFFFF"/>
+                </a:solidFill>
+                <a:effectLst>
+                  <a:outerShdw blurRad="38100" dist="22860" dir="5400000" algn="tl" rotWithShape="0">
+                    <a:srgbClr val="000000">
+                      <a:alpha val="30000"/>
+                    </a:srgbClr>
+                  </a:outerShdw>
+                </a:effectLst>
+                <a:latin typeface="Tahoma" panose="020B0604030504040204" charset="0"/>
+                <a:cs typeface="Tahoma" panose="020B0604030504040204" charset="0"/>
+              </a:rPr>
+              <a:t>HÓA - HIỆN ĐẠI HÓA</a:t>
             </a:r>
             <a:endParaRPr lang="en-US" sz="4000" b="1" dirty="0">
               <a:ln w="10160">
@@ -12470,26 +12872,39 @@
         </p:nvSpPr>
         <p:spPr>
           <a:xfrm>
-            <a:off x="6640830" y="4327525"/>
-            <a:ext cx="5217160" cy="1655445"/>
+            <a:off x="6772275" y="4711700"/>
+            <a:ext cx="5217160" cy="1775460"/>
           </a:xfrm>
         </p:spPr>
         <p:txBody>
-          <a:bodyPr/>
+          <a:bodyPr>
+            <a:normAutofit lnSpcReduction="20000"/>
+          </a:bodyPr>
           <a:lstStyle/>
           <a:p>
             <a:pPr algn="l"/>
             <a:r>
               <a:rPr lang="en-US" sz="2600">
                 <a:ln/>
-                <a:solidFill>
-                  <a:schemeClr val="accent1"/>
-                </a:solidFill>
+                <a:pattFill prst="dkUpDiag">
+                  <a:fgClr>
+                    <a:schemeClr val="bg1">
+                      <a:lumMod val="50000"/>
+                    </a:schemeClr>
+                  </a:fgClr>
+                  <a:bgClr>
+                    <a:schemeClr val="tx1">
+                      <a:lumMod val="75000"/>
+                      <a:lumOff val="25000"/>
+                    </a:schemeClr>
+                  </a:bgClr>
+                </a:pattFill>
                 <a:effectLst>
-                  <a:outerShdw blurRad="38100" dist="25400" dir="5400000" algn="ctr" rotWithShape="0">
-                    <a:srgbClr val="6E747A">
-                      <a:alpha val="43000"/>
-                    </a:srgbClr>
+                  <a:outerShdw blurRad="38100" dist="19050" dir="2700000" algn="tl" rotWithShape="0">
+                    <a:schemeClr val="dk1">
+                      <a:lumMod val="50000"/>
+                      <a:alpha val="40000"/>
+                    </a:schemeClr>
                   </a:outerShdw>
                 </a:effectLst>
                 <a:latin typeface="Tahoma" panose="020B0604030504040204" charset="0"/>
@@ -12499,14 +12914,25 @@
             </a:r>
             <a:endParaRPr lang="en-US">
               <a:ln/>
-              <a:solidFill>
-                <a:schemeClr val="accent1"/>
-              </a:solidFill>
+              <a:pattFill prst="dkUpDiag">
+                <a:fgClr>
+                  <a:schemeClr val="bg1">
+                    <a:lumMod val="50000"/>
+                  </a:schemeClr>
+                </a:fgClr>
+                <a:bgClr>
+                  <a:schemeClr val="tx1">
+                    <a:lumMod val="75000"/>
+                    <a:lumOff val="25000"/>
+                  </a:schemeClr>
+                </a:bgClr>
+              </a:pattFill>
               <a:effectLst>
-                <a:outerShdw blurRad="38100" dist="25400" dir="5400000" algn="ctr" rotWithShape="0">
-                  <a:srgbClr val="6E747A">
-                    <a:alpha val="43000"/>
-                  </a:srgbClr>
+                <a:outerShdw blurRad="38100" dist="19050" dir="2700000" algn="tl" rotWithShape="0">
+                  <a:schemeClr val="dk1">
+                    <a:lumMod val="50000"/>
+                    <a:alpha val="40000"/>
+                  </a:schemeClr>
                 </a:outerShdw>
               </a:effectLst>
               <a:latin typeface="Tahoma" panose="020B0604030504040204" charset="0"/>
@@ -12518,14 +12944,25 @@
             <a:r>
               <a:rPr lang="en-US">
                 <a:ln/>
-                <a:solidFill>
-                  <a:schemeClr val="accent1"/>
-                </a:solidFill>
+                <a:pattFill prst="dkUpDiag">
+                  <a:fgClr>
+                    <a:schemeClr val="bg1">
+                      <a:lumMod val="50000"/>
+                    </a:schemeClr>
+                  </a:fgClr>
+                  <a:bgClr>
+                    <a:schemeClr val="tx1">
+                      <a:lumMod val="75000"/>
+                      <a:lumOff val="25000"/>
+                    </a:schemeClr>
+                  </a:bgClr>
+                </a:pattFill>
                 <a:effectLst>
-                  <a:outerShdw blurRad="38100" dist="25400" dir="5400000" algn="ctr" rotWithShape="0">
-                    <a:srgbClr val="6E747A">
-                      <a:alpha val="43000"/>
-                    </a:srgbClr>
+                  <a:outerShdw blurRad="38100" dist="19050" dir="2700000" algn="tl" rotWithShape="0">
+                    <a:schemeClr val="dk1">
+                      <a:lumMod val="50000"/>
+                      <a:alpha val="40000"/>
+                    </a:schemeClr>
                   </a:outerShdw>
                 </a:effectLst>
                 <a:latin typeface="Tahoma" panose="020B0604030504040204" charset="0"/>
@@ -12535,14 +12972,25 @@
             </a:r>
             <a:endParaRPr lang="en-US">
               <a:ln/>
-              <a:solidFill>
-                <a:schemeClr val="accent1"/>
-              </a:solidFill>
+              <a:pattFill prst="dkUpDiag">
+                <a:fgClr>
+                  <a:schemeClr val="bg1">
+                    <a:lumMod val="50000"/>
+                  </a:schemeClr>
+                </a:fgClr>
+                <a:bgClr>
+                  <a:schemeClr val="tx1">
+                    <a:lumMod val="75000"/>
+                    <a:lumOff val="25000"/>
+                  </a:schemeClr>
+                </a:bgClr>
+              </a:pattFill>
               <a:effectLst>
-                <a:outerShdw blurRad="38100" dist="25400" dir="5400000" algn="ctr" rotWithShape="0">
-                  <a:srgbClr val="6E747A">
-                    <a:alpha val="43000"/>
-                  </a:srgbClr>
+                <a:outerShdw blurRad="38100" dist="19050" dir="2700000" algn="tl" rotWithShape="0">
+                  <a:schemeClr val="dk1">
+                    <a:lumMod val="50000"/>
+                    <a:alpha val="40000"/>
+                  </a:schemeClr>
                 </a:outerShdw>
               </a:effectLst>
               <a:latin typeface="Tahoma" panose="020B0604030504040204" charset="0"/>
@@ -12554,14 +13002,25 @@
             <a:r>
               <a:rPr lang="en-US" b="1">
                 <a:ln/>
-                <a:solidFill>
-                  <a:schemeClr val="accent1"/>
-                </a:solidFill>
+                <a:pattFill prst="dkUpDiag">
+                  <a:fgClr>
+                    <a:schemeClr val="bg1">
+                      <a:lumMod val="50000"/>
+                    </a:schemeClr>
+                  </a:fgClr>
+                  <a:bgClr>
+                    <a:schemeClr val="tx1">
+                      <a:lumMod val="75000"/>
+                      <a:lumOff val="25000"/>
+                    </a:schemeClr>
+                  </a:bgClr>
+                </a:pattFill>
                 <a:effectLst>
-                  <a:outerShdw blurRad="38100" dist="25400" dir="5400000" algn="ctr" rotWithShape="0">
-                    <a:srgbClr val="6E747A">
-                      <a:alpha val="43000"/>
-                    </a:srgbClr>
+                  <a:outerShdw blurRad="38100" dist="19050" dir="2700000" algn="tl" rotWithShape="0">
+                    <a:schemeClr val="dk1">
+                      <a:lumMod val="50000"/>
+                      <a:alpha val="40000"/>
+                    </a:schemeClr>
                   </a:outerShdw>
                 </a:effectLst>
                 <a:latin typeface="Tahoma" panose="020B0604030504040204" charset="0"/>
@@ -12572,14 +13031,25 @@
             <a:r>
               <a:rPr lang="en-US">
                 <a:ln/>
-                <a:solidFill>
-                  <a:schemeClr val="accent1"/>
-                </a:solidFill>
+                <a:pattFill prst="dkUpDiag">
+                  <a:fgClr>
+                    <a:schemeClr val="bg1">
+                      <a:lumMod val="50000"/>
+                    </a:schemeClr>
+                  </a:fgClr>
+                  <a:bgClr>
+                    <a:schemeClr val="tx1">
+                      <a:lumMod val="75000"/>
+                      <a:lumOff val="25000"/>
+                    </a:schemeClr>
+                  </a:bgClr>
+                </a:pattFill>
                 <a:effectLst>
-                  <a:outerShdw blurRad="38100" dist="25400" dir="5400000" algn="ctr" rotWithShape="0">
-                    <a:srgbClr val="6E747A">
-                      <a:alpha val="43000"/>
-                    </a:srgbClr>
+                  <a:outerShdw blurRad="38100" dist="19050" dir="2700000" algn="tl" rotWithShape="0">
+                    <a:schemeClr val="dk1">
+                      <a:lumMod val="50000"/>
+                      <a:alpha val="40000"/>
+                    </a:schemeClr>
                   </a:outerShdw>
                 </a:effectLst>
                 <a:latin typeface="Tahoma" panose="020B0604030504040204" charset="0"/>
@@ -12589,16 +13059,225 @@
             </a:r>
             <a:endParaRPr lang="en-US">
               <a:ln/>
-              <a:solidFill>
-                <a:schemeClr val="accent1"/>
-              </a:solidFill>
+              <a:pattFill prst="dkUpDiag">
+                <a:fgClr>
+                  <a:schemeClr val="bg1">
+                    <a:lumMod val="50000"/>
+                  </a:schemeClr>
+                </a:fgClr>
+                <a:bgClr>
+                  <a:schemeClr val="tx1">
+                    <a:lumMod val="75000"/>
+                    <a:lumOff val="25000"/>
+                  </a:schemeClr>
+                </a:bgClr>
+              </a:pattFill>
               <a:effectLst>
-                <a:outerShdw blurRad="38100" dist="25400" dir="5400000" algn="ctr" rotWithShape="0">
-                  <a:srgbClr val="6E747A">
-                    <a:alpha val="43000"/>
-                  </a:srgbClr>
+                <a:outerShdw blurRad="38100" dist="19050" dir="2700000" algn="tl" rotWithShape="0">
+                  <a:schemeClr val="dk1">
+                    <a:lumMod val="50000"/>
+                    <a:alpha val="40000"/>
+                  </a:schemeClr>
                 </a:outerShdw>
               </a:effectLst>
+              <a:latin typeface="Tahoma" panose="020B0604030504040204" charset="0"/>
+              <a:cs typeface="Tahoma" panose="020B0604030504040204" charset="0"/>
+            </a:endParaRPr>
+          </a:p>
+          <a:p>
+            <a:pPr algn="l"/>
+            <a:r>
+              <a:rPr lang="en-US" b="1">
+                <a:ln/>
+                <a:pattFill prst="dkUpDiag">
+                  <a:fgClr>
+                    <a:schemeClr val="bg1">
+                      <a:lumMod val="50000"/>
+                    </a:schemeClr>
+                  </a:fgClr>
+                  <a:bgClr>
+                    <a:schemeClr val="tx1">
+                      <a:lumMod val="75000"/>
+                      <a:lumOff val="25000"/>
+                    </a:schemeClr>
+                  </a:bgClr>
+                </a:pattFill>
+                <a:effectLst>
+                  <a:outerShdw blurRad="38100" dist="19050" dir="2700000" algn="tl" rotWithShape="0">
+                    <a:schemeClr val="dk1">
+                      <a:lumMod val="50000"/>
+                      <a:alpha val="40000"/>
+                    </a:schemeClr>
+                  </a:outerShdw>
+                </a:effectLst>
+                <a:latin typeface="Tahoma" panose="020B0604030504040204" charset="0"/>
+                <a:cs typeface="Tahoma" panose="020B0604030504040204" charset="0"/>
+              </a:rPr>
+              <a:t>GVHD</a:t>
+            </a:r>
+            <a:r>
+              <a:rPr lang="en-US">
+                <a:ln/>
+                <a:pattFill prst="dkUpDiag">
+                  <a:fgClr>
+                    <a:schemeClr val="bg1">
+                      <a:lumMod val="50000"/>
+                    </a:schemeClr>
+                  </a:fgClr>
+                  <a:bgClr>
+                    <a:schemeClr val="tx1">
+                      <a:lumMod val="75000"/>
+                      <a:lumOff val="25000"/>
+                    </a:schemeClr>
+                  </a:bgClr>
+                </a:pattFill>
+                <a:effectLst>
+                  <a:outerShdw blurRad="38100" dist="19050" dir="2700000" algn="tl" rotWithShape="0">
+                    <a:schemeClr val="dk1">
+                      <a:lumMod val="50000"/>
+                      <a:alpha val="40000"/>
+                    </a:schemeClr>
+                  </a:outerShdw>
+                </a:effectLst>
+                <a:latin typeface="Tahoma" panose="020B0604030504040204" charset="0"/>
+                <a:cs typeface="Tahoma" panose="020B0604030504040204" charset="0"/>
+              </a:rPr>
+              <a:t>: T.s Phùng Thế Anh</a:t>
+            </a:r>
+            <a:endParaRPr lang="en-US">
+              <a:ln/>
+              <a:pattFill prst="dkUpDiag">
+                <a:fgClr>
+                  <a:schemeClr val="bg1">
+                    <a:lumMod val="50000"/>
+                  </a:schemeClr>
+                </a:fgClr>
+                <a:bgClr>
+                  <a:schemeClr val="tx1">
+                    <a:lumMod val="75000"/>
+                    <a:lumOff val="25000"/>
+                  </a:schemeClr>
+                </a:bgClr>
+              </a:pattFill>
+              <a:effectLst>
+                <a:outerShdw blurRad="38100" dist="19050" dir="2700000" algn="tl" rotWithShape="0">
+                  <a:schemeClr val="dk1">
+                    <a:lumMod val="50000"/>
+                    <a:alpha val="40000"/>
+                  </a:schemeClr>
+                </a:outerShdw>
+              </a:effectLst>
+              <a:latin typeface="Tahoma" panose="020B0604030504040204" charset="0"/>
+              <a:cs typeface="Tahoma" panose="020B0604030504040204" charset="0"/>
+            </a:endParaRPr>
+          </a:p>
+        </p:txBody>
+      </p:sp>
+      <p:sp>
+        <p:nvSpPr>
+          <p:cNvPr id="4" name="Text Box 3"/>
+          <p:cNvSpPr txBox="1"/>
+          <p:nvPr/>
+        </p:nvSpPr>
+        <p:spPr>
+          <a:xfrm>
+            <a:off x="629920" y="188595"/>
+            <a:ext cx="10932795" cy="521970"/>
+          </a:xfrm>
+          <a:prstGeom prst="rect">
+            <a:avLst/>
+          </a:prstGeom>
+          <a:noFill/>
+        </p:spPr>
+        <p:txBody>
+          <a:bodyPr wrap="square" rtlCol="0">
+            <a:spAutoFit/>
+            <a:scene3d>
+              <a:camera prst="orthographicFront"/>
+              <a:lightRig rig="threePt" dir="t"/>
+            </a:scene3d>
+          </a:bodyPr>
+          <a:p>
+            <a:pPr algn="ctr"/>
+            <a:r>
+              <a:rPr lang="en-US" sz="2800" b="1">
+                <a:ln/>
+                <a:pattFill prst="dkUpDiag">
+                  <a:fgClr>
+                    <a:schemeClr val="bg1">
+                      <a:lumMod val="50000"/>
+                    </a:schemeClr>
+                  </a:fgClr>
+                  <a:bgClr>
+                    <a:schemeClr val="tx1">
+                      <a:lumMod val="75000"/>
+                      <a:lumOff val="25000"/>
+                    </a:schemeClr>
+                  </a:bgClr>
+                </a:pattFill>
+                <a:effectLst>
+                  <a:outerShdw blurRad="38100" dist="19050" dir="2700000" algn="tl" rotWithShape="0">
+                    <a:schemeClr val="dk1">
+                      <a:lumMod val="50000"/>
+                      <a:alpha val="40000"/>
+                    </a:schemeClr>
+                  </a:outerShdw>
+                </a:effectLst>
+                <a:latin typeface="Tahoma" panose="020B0604030504040204" charset="0"/>
+                <a:cs typeface="Tahoma" panose="020B0604030504040204" charset="0"/>
+              </a:rPr>
+              <a:t>TRƯỜNG ĐẠI HỌC SƯ PHẠM KỸ THUẬT TP. HỒ CHÍ MINH</a:t>
+            </a:r>
+            <a:endParaRPr lang="en-US" sz="2800" b="1">
+              <a:ln/>
+              <a:pattFill prst="dkUpDiag">
+                <a:fgClr>
+                  <a:schemeClr val="bg1">
+                    <a:lumMod val="50000"/>
+                  </a:schemeClr>
+                </a:fgClr>
+                <a:bgClr>
+                  <a:schemeClr val="tx1">
+                    <a:lumMod val="75000"/>
+                    <a:lumOff val="25000"/>
+                  </a:schemeClr>
+                </a:bgClr>
+              </a:pattFill>
+              <a:effectLst>
+                <a:outerShdw blurRad="38100" dist="19050" dir="2700000" algn="tl" rotWithShape="0">
+                  <a:schemeClr val="dk1">
+                    <a:lumMod val="50000"/>
+                    <a:alpha val="40000"/>
+                  </a:schemeClr>
+                </a:outerShdw>
+              </a:effectLst>
+              <a:latin typeface="Tahoma" panose="020B0604030504040204" charset="0"/>
+              <a:cs typeface="Tahoma" panose="020B0604030504040204" charset="0"/>
+            </a:endParaRPr>
+          </a:p>
+        </p:txBody>
+      </p:sp>
+      <p:sp>
+        <p:nvSpPr>
+          <p:cNvPr id="6" name="Slide Number Placeholder 5"/>
+          <p:cNvSpPr>
+            <a:spLocks noGrp="1"/>
+          </p:cNvSpPr>
+          <p:nvPr>
+            <p:ph type="sldNum" sz="quarter" idx="12"/>
+          </p:nvPr>
+        </p:nvSpPr>
+        <p:spPr/>
+        <p:txBody>
+          <a:bodyPr/>
+          <a:p>
+            <a:fld id="{9B618960-8005-486C-9A75-10CB2AAC16F9}" type="slidenum">
+              <a:rPr lang="en-US" smtClean="0">
+                <a:latin typeface="Tahoma" panose="020B0604030504040204" charset="0"/>
+                <a:cs typeface="Tahoma" panose="020B0604030504040204" charset="0"/>
+              </a:rPr>
+            </a:fld>
+            <a:endParaRPr lang="en-US">
               <a:latin typeface="Tahoma" panose="020B0604030504040204" charset="0"/>
               <a:cs typeface="Tahoma" panose="020B0604030504040204" charset="0"/>
             </a:endParaRPr>
@@ -12806,7 +13485,7 @@
         </p:blipFill>
         <p:spPr>
           <a:xfrm>
-            <a:off x="9683115" y="5597525"/>
+            <a:off x="10251440" y="5619750"/>
             <a:ext cx="553085" cy="565785"/>
           </a:xfrm>
           <a:prstGeom prst="rect">
@@ -12830,7 +13509,7 @@
         </p:blipFill>
         <p:spPr>
           <a:xfrm>
-            <a:off x="8742045" y="2487295"/>
+            <a:off x="9396730" y="2174875"/>
             <a:ext cx="1261110" cy="982980"/>
           </a:xfrm>
           <a:prstGeom prst="rect">
@@ -12854,7 +13533,7 @@
         </p:blipFill>
         <p:spPr>
           <a:xfrm>
-            <a:off x="11111865" y="4239895"/>
+            <a:off x="11152505" y="5045710"/>
             <a:ext cx="708660" cy="1013460"/>
           </a:xfrm>
           <a:prstGeom prst="rect">
@@ -12878,7 +13557,7 @@
         </p:blipFill>
         <p:spPr>
           <a:xfrm>
-            <a:off x="8286750" y="4657725"/>
+            <a:off x="7974965" y="5223510"/>
             <a:ext cx="962025" cy="962025"/>
           </a:xfrm>
           <a:prstGeom prst="rect">
@@ -12910,6 +13589,33 @@
           </a:prstGeom>
         </p:spPr>
       </p:pic>
+      <p:sp>
+        <p:nvSpPr>
+          <p:cNvPr id="4" name="Slide Number Placeholder 3"/>
+          <p:cNvSpPr>
+            <a:spLocks noGrp="1"/>
+          </p:cNvSpPr>
+          <p:nvPr>
+            <p:ph type="sldNum" sz="quarter" idx="12"/>
+          </p:nvPr>
+        </p:nvSpPr>
+        <p:spPr/>
+        <p:txBody>
+          <a:bodyPr/>
+          <a:p>
+            <a:fld id="{9B618960-8005-486C-9A75-10CB2AAC16F9}" type="slidenum">
+              <a:rPr lang="en-US" smtClean="0">
+                <a:latin typeface="Tahoma" panose="020B0604030504040204" charset="0"/>
+                <a:cs typeface="Tahoma" panose="020B0604030504040204" charset="0"/>
+              </a:rPr>
+            </a:fld>
+            <a:endParaRPr lang="en-US">
+              <a:latin typeface="Tahoma" panose="020B0604030504040204" charset="0"/>
+              <a:cs typeface="Tahoma" panose="020B0604030504040204" charset="0"/>
+            </a:endParaRPr>
+          </a:p>
+        </p:txBody>
+      </p:sp>
     </p:spTree>
   </p:cSld>
   <p:clrMapOvr>
@@ -13124,6 +13830,33 @@
           </a:prstGeom>
         </p:spPr>
       </p:pic>
+      <p:sp>
+        <p:nvSpPr>
+          <p:cNvPr id="8" name="Slide Number Placeholder 7"/>
+          <p:cNvSpPr>
+            <a:spLocks noGrp="1"/>
+          </p:cNvSpPr>
+          <p:nvPr>
+            <p:ph type="sldNum" sz="quarter" idx="12"/>
+          </p:nvPr>
+        </p:nvSpPr>
+        <p:spPr/>
+        <p:txBody>
+          <a:bodyPr/>
+          <a:p>
+            <a:fld id="{9B618960-8005-486C-9A75-10CB2AAC16F9}" type="slidenum">
+              <a:rPr lang="en-US" smtClean="0">
+                <a:latin typeface="Tahoma" panose="020B0604030504040204" charset="0"/>
+                <a:cs typeface="Tahoma" panose="020B0604030504040204" charset="0"/>
+              </a:rPr>
+            </a:fld>
+            <a:endParaRPr lang="en-US">
+              <a:latin typeface="Tahoma" panose="020B0604030504040204" charset="0"/>
+              <a:cs typeface="Tahoma" panose="020B0604030504040204" charset="0"/>
+            </a:endParaRPr>
+          </a:p>
+        </p:txBody>
+      </p:sp>
     </p:spTree>
   </p:cSld>
   <p:clrMapOvr>
@@ -13304,6 +14037,33 @@
           </a:prstGeom>
         </p:spPr>
       </p:pic>
+      <p:sp>
+        <p:nvSpPr>
+          <p:cNvPr id="6" name="Slide Number Placeholder 5"/>
+          <p:cNvSpPr>
+            <a:spLocks noGrp="1"/>
+          </p:cNvSpPr>
+          <p:nvPr>
+            <p:ph type="sldNum" sz="quarter" idx="12"/>
+          </p:nvPr>
+        </p:nvSpPr>
+        <p:spPr/>
+        <p:txBody>
+          <a:bodyPr/>
+          <a:p>
+            <a:fld id="{9B618960-8005-486C-9A75-10CB2AAC16F9}" type="slidenum">
+              <a:rPr lang="en-US" smtClean="0">
+                <a:latin typeface="Tahoma" panose="020B0604030504040204" charset="0"/>
+                <a:cs typeface="Tahoma" panose="020B0604030504040204" charset="0"/>
+              </a:rPr>
+            </a:fld>
+            <a:endParaRPr lang="en-US">
+              <a:latin typeface="Tahoma" panose="020B0604030504040204" charset="0"/>
+              <a:cs typeface="Tahoma" panose="020B0604030504040204" charset="0"/>
+            </a:endParaRPr>
+          </a:p>
+        </p:txBody>
+      </p:sp>
     </p:spTree>
   </p:cSld>
   <p:clrMapOvr>
@@ -13468,6 +14228,33 @@
           </a:prstGeom>
         </p:spPr>
       </p:pic>
+      <p:sp>
+        <p:nvSpPr>
+          <p:cNvPr id="5" name="Slide Number Placeholder 4"/>
+          <p:cNvSpPr>
+            <a:spLocks noGrp="1"/>
+          </p:cNvSpPr>
+          <p:nvPr>
+            <p:ph type="sldNum" sz="quarter" idx="12"/>
+          </p:nvPr>
+        </p:nvSpPr>
+        <p:spPr/>
+        <p:txBody>
+          <a:bodyPr/>
+          <a:p>
+            <a:fld id="{9B618960-8005-486C-9A75-10CB2AAC16F9}" type="slidenum">
+              <a:rPr lang="en-US" smtClean="0">
+                <a:latin typeface="Tahoma" panose="020B0604030504040204" charset="0"/>
+                <a:cs typeface="Tahoma" panose="020B0604030504040204" charset="0"/>
+              </a:rPr>
+            </a:fld>
+            <a:endParaRPr lang="en-US">
+              <a:latin typeface="Tahoma" panose="020B0604030504040204" charset="0"/>
+              <a:cs typeface="Tahoma" panose="020B0604030504040204" charset="0"/>
+            </a:endParaRPr>
+          </a:p>
+        </p:txBody>
+      </p:sp>
     </p:spTree>
   </p:cSld>
   <p:clrMapOvr>
@@ -13543,7 +14330,6 @@
             <a:pPr algn="ctr"/>
             <a:r>
               <a:rPr lang="en-US" b="1">
-                <a:ln/>
                 <a:solidFill>
                   <a:schemeClr val="accent4"/>
                 </a:solidFill>
@@ -13554,11 +14340,37 @@
               <a:t>CẢM ƠN VÌ ĐÃ LẮNG NGHE</a:t>
             </a:r>
             <a:endParaRPr lang="en-US" b="1">
-              <a:ln/>
               <a:solidFill>
                 <a:schemeClr val="accent4"/>
               </a:solidFill>
               <a:effectLst/>
+              <a:latin typeface="Tahoma" panose="020B0604030504040204" charset="0"/>
+              <a:cs typeface="Tahoma" panose="020B0604030504040204" charset="0"/>
+            </a:endParaRPr>
+          </a:p>
+        </p:txBody>
+      </p:sp>
+      <p:sp>
+        <p:nvSpPr>
+          <p:cNvPr id="4" name="Slide Number Placeholder 3"/>
+          <p:cNvSpPr>
+            <a:spLocks noGrp="1"/>
+          </p:cNvSpPr>
+          <p:nvPr>
+            <p:ph type="sldNum" sz="quarter" idx="12"/>
+          </p:nvPr>
+        </p:nvSpPr>
+        <p:spPr/>
+        <p:txBody>
+          <a:bodyPr/>
+          <a:p>
+            <a:fld id="{9B618960-8005-486C-9A75-10CB2AAC16F9}" type="slidenum">
+              <a:rPr lang="en-US" smtClean="0">
+                <a:latin typeface="Tahoma" panose="020B0604030504040204" charset="0"/>
+                <a:cs typeface="Tahoma" panose="020B0604030504040204" charset="0"/>
+              </a:rPr>
+            </a:fld>
+            <a:endParaRPr lang="en-US">
               <a:latin typeface="Tahoma" panose="020B0604030504040204" charset="0"/>
               <a:cs typeface="Tahoma" panose="020B0604030504040204" charset="0"/>
             </a:endParaRPr>
@@ -13600,7 +14412,6 @@
             <a:pPr algn="ctr"/>
             <a:r>
               <a:rPr lang="en-US" b="1">
-                <a:ln/>
                 <a:solidFill>
                   <a:schemeClr val="accent1"/>
                 </a:solidFill>
@@ -13617,7 +14428,6 @@
               <a:t>NỘI DUNG CHÍNH</a:t>
             </a:r>
             <a:endParaRPr lang="en-US" b="1">
-              <a:ln/>
               <a:solidFill>
                 <a:schemeClr val="accent1"/>
               </a:solidFill>
@@ -13650,6 +14460,33 @@
           </a:graphicData>
         </a:graphic>
       </p:graphicFrame>
+      <p:sp>
+        <p:nvSpPr>
+          <p:cNvPr id="4" name="Slide Number Placeholder 3"/>
+          <p:cNvSpPr>
+            <a:spLocks noGrp="1"/>
+          </p:cNvSpPr>
+          <p:nvPr>
+            <p:ph type="sldNum" sz="quarter" idx="12"/>
+          </p:nvPr>
+        </p:nvSpPr>
+        <p:spPr/>
+        <p:txBody>
+          <a:bodyPr/>
+          <a:p>
+            <a:fld id="{9B618960-8005-486C-9A75-10CB2AAC16F9}" type="slidenum">
+              <a:rPr lang="en-US" smtClean="0">
+                <a:latin typeface="Tahoma" panose="020B0604030504040204" charset="0"/>
+                <a:cs typeface="Tahoma" panose="020B0604030504040204" charset="0"/>
+              </a:rPr>
+            </a:fld>
+            <a:endParaRPr lang="en-US">
+              <a:latin typeface="Tahoma" panose="020B0604030504040204" charset="0"/>
+              <a:cs typeface="Tahoma" panose="020B0604030504040204" charset="0"/>
+            </a:endParaRPr>
+          </a:p>
+        </p:txBody>
+      </p:sp>
     </p:spTree>
   </p:cSld>
   <p:clrMapOvr>
@@ -13710,26 +14547,33 @@
           </a:xfrm>
         </p:spPr>
         <p:txBody>
-          <a:bodyPr>
-            <a:scene3d>
-              <a:camera prst="orthographicFront"/>
-              <a:lightRig rig="soft" dir="t">
-                <a:rot lat="0" lon="0" rev="15600000"/>
-              </a:lightRig>
-            </a:scene3d>
-            <a:sp3d extrusionH="57150" prstMaterial="softEdge">
-              <a:bevelT w="25400" h="38100"/>
-            </a:sp3d>
-          </a:bodyPr>
+          <a:bodyPr/>
           <a:p>
             <a:pPr algn="ctr"/>
             <a:r>
               <a:rPr lang="en-US" b="1">
                 <a:ln/>
-                <a:solidFill>
-                  <a:schemeClr val="accent4"/>
-                </a:solidFill>
-                <a:effectLst/>
+                <a:pattFill prst="dkUpDiag">
+                  <a:fgClr>
+                    <a:schemeClr val="bg1">
+                      <a:lumMod val="50000"/>
+                    </a:schemeClr>
+                  </a:fgClr>
+                  <a:bgClr>
+                    <a:schemeClr val="tx1">
+                      <a:lumMod val="75000"/>
+                      <a:lumOff val="25000"/>
+                    </a:schemeClr>
+                  </a:bgClr>
+                </a:pattFill>
+                <a:effectLst>
+                  <a:outerShdw blurRad="38100" dist="19050" dir="2700000" algn="tl" rotWithShape="0">
+                    <a:schemeClr val="dk1">
+                      <a:lumMod val="50000"/>
+                      <a:alpha val="40000"/>
+                    </a:schemeClr>
+                  </a:outerShdw>
+                </a:effectLst>
                 <a:latin typeface="Tahoma" panose="020B0604030504040204" charset="0"/>
                 <a:cs typeface="Tahoma" panose="020B0604030504040204" charset="0"/>
               </a:rPr>
@@ -13738,10 +14582,27 @@
             <a:r>
               <a:rPr lang="en-US" b="1">
                 <a:ln/>
-                <a:solidFill>
-                  <a:schemeClr val="accent4"/>
-                </a:solidFill>
-                <a:effectLst/>
+                <a:pattFill prst="dkUpDiag">
+                  <a:fgClr>
+                    <a:schemeClr val="bg1">
+                      <a:lumMod val="50000"/>
+                    </a:schemeClr>
+                  </a:fgClr>
+                  <a:bgClr>
+                    <a:schemeClr val="tx1">
+                      <a:lumMod val="75000"/>
+                      <a:lumOff val="25000"/>
+                    </a:schemeClr>
+                  </a:bgClr>
+                </a:pattFill>
+                <a:effectLst>
+                  <a:outerShdw blurRad="38100" dist="19050" dir="2700000" algn="tl" rotWithShape="0">
+                    <a:schemeClr val="dk1">
+                      <a:lumMod val="50000"/>
+                      <a:alpha val="40000"/>
+                    </a:schemeClr>
+                  </a:outerShdw>
+                </a:effectLst>
                 <a:latin typeface="Tahoma" panose="020B0604030504040204" charset="0"/>
                 <a:cs typeface="Tahoma" panose="020B0604030504040204" charset="0"/>
                 <a:sym typeface="+mn-ea"/>
@@ -13750,17 +14611,42 @@
             </a:r>
             <a:br>
               <a:rPr lang="en-US">
-                <a:ln/>
                 <a:solidFill>
                   <a:schemeClr val="accent4"/>
                 </a:solidFill>
               </a:rPr>
             </a:br>
             <a:endParaRPr lang="en-US">
-              <a:ln/>
               <a:solidFill>
                 <a:schemeClr val="accent4"/>
               </a:solidFill>
+            </a:endParaRPr>
+          </a:p>
+        </p:txBody>
+      </p:sp>
+      <p:sp>
+        <p:nvSpPr>
+          <p:cNvPr id="4" name="Slide Number Placeholder 3"/>
+          <p:cNvSpPr>
+            <a:spLocks noGrp="1"/>
+          </p:cNvSpPr>
+          <p:nvPr>
+            <p:ph type="sldNum" sz="quarter" idx="12"/>
+          </p:nvPr>
+        </p:nvSpPr>
+        <p:spPr/>
+        <p:txBody>
+          <a:bodyPr/>
+          <a:p>
+            <a:fld id="{9B618960-8005-486C-9A75-10CB2AAC16F9}" type="slidenum">
+              <a:rPr lang="en-US" smtClean="0">
+                <a:latin typeface="Tahoma" panose="020B0604030504040204" charset="0"/>
+                <a:cs typeface="Tahoma" panose="020B0604030504040204" charset="0"/>
+              </a:rPr>
+            </a:fld>
+            <a:endParaRPr lang="en-US">
+              <a:latin typeface="Tahoma" panose="020B0604030504040204" charset="0"/>
+              <a:cs typeface="Tahoma" panose="020B0604030504040204" charset="0"/>
             </a:endParaRPr>
           </a:p>
         </p:txBody>
@@ -13906,6 +14792,33 @@
           </a:prstGeom>
         </p:spPr>
       </p:pic>
+      <p:sp>
+        <p:nvSpPr>
+          <p:cNvPr id="6" name="Slide Number Placeholder 5"/>
+          <p:cNvSpPr>
+            <a:spLocks noGrp="1"/>
+          </p:cNvSpPr>
+          <p:nvPr>
+            <p:ph type="sldNum" sz="quarter" idx="12"/>
+          </p:nvPr>
+        </p:nvSpPr>
+        <p:spPr/>
+        <p:txBody>
+          <a:bodyPr/>
+          <a:p>
+            <a:fld id="{9B618960-8005-486C-9A75-10CB2AAC16F9}" type="slidenum">
+              <a:rPr lang="en-US" smtClean="0">
+                <a:latin typeface="Tahoma" panose="020B0604030504040204" charset="0"/>
+                <a:cs typeface="Tahoma" panose="020B0604030504040204" charset="0"/>
+              </a:rPr>
+            </a:fld>
+            <a:endParaRPr lang="en-US">
+              <a:latin typeface="Tahoma" panose="020B0604030504040204" charset="0"/>
+              <a:cs typeface="Tahoma" panose="020B0604030504040204" charset="0"/>
+            </a:endParaRPr>
+          </a:p>
+        </p:txBody>
+      </p:sp>
     </p:spTree>
   </p:cSld>
   <p:clrMapOvr>
@@ -14056,6 +14969,33 @@
           </a:prstGeom>
         </p:spPr>
       </p:pic>
+      <p:sp>
+        <p:nvSpPr>
+          <p:cNvPr id="6" name="Slide Number Placeholder 5"/>
+          <p:cNvSpPr>
+            <a:spLocks noGrp="1"/>
+          </p:cNvSpPr>
+          <p:nvPr>
+            <p:ph type="sldNum" sz="quarter" idx="12"/>
+          </p:nvPr>
+        </p:nvSpPr>
+        <p:spPr/>
+        <p:txBody>
+          <a:bodyPr/>
+          <a:p>
+            <a:fld id="{9B618960-8005-486C-9A75-10CB2AAC16F9}" type="slidenum">
+              <a:rPr lang="en-US" smtClean="0">
+                <a:latin typeface="Tahoma" panose="020B0604030504040204" charset="0"/>
+                <a:cs typeface="Tahoma" panose="020B0604030504040204" charset="0"/>
+              </a:rPr>
+            </a:fld>
+            <a:endParaRPr lang="en-US">
+              <a:latin typeface="Tahoma" panose="020B0604030504040204" charset="0"/>
+              <a:cs typeface="Tahoma" panose="020B0604030504040204" charset="0"/>
+            </a:endParaRPr>
+          </a:p>
+        </p:txBody>
+      </p:sp>
     </p:spTree>
   </p:cSld>
   <p:clrMapOvr>
@@ -14209,6 +15149,33 @@
           </a:prstGeom>
         </p:spPr>
       </p:pic>
+      <p:sp>
+        <p:nvSpPr>
+          <p:cNvPr id="6" name="Slide Number Placeholder 5"/>
+          <p:cNvSpPr>
+            <a:spLocks noGrp="1"/>
+          </p:cNvSpPr>
+          <p:nvPr>
+            <p:ph type="sldNum" sz="quarter" idx="12"/>
+          </p:nvPr>
+        </p:nvSpPr>
+        <p:spPr/>
+        <p:txBody>
+          <a:bodyPr/>
+          <a:p>
+            <a:fld id="{9B618960-8005-486C-9A75-10CB2AAC16F9}" type="slidenum">
+              <a:rPr lang="en-US" smtClean="0">
+                <a:latin typeface="Tahoma" panose="020B0604030504040204" charset="0"/>
+                <a:cs typeface="Tahoma" panose="020B0604030504040204" charset="0"/>
+              </a:rPr>
+            </a:fld>
+            <a:endParaRPr lang="en-US">
+              <a:latin typeface="Tahoma" panose="020B0604030504040204" charset="0"/>
+              <a:cs typeface="Tahoma" panose="020B0604030504040204" charset="0"/>
+            </a:endParaRPr>
+          </a:p>
+        </p:txBody>
+      </p:sp>
     </p:spTree>
   </p:cSld>
   <p:clrMapOvr>
@@ -14269,26 +15236,33 @@
           </a:xfrm>
         </p:spPr>
         <p:txBody>
-          <a:bodyPr>
-            <a:scene3d>
-              <a:camera prst="orthographicFront"/>
-              <a:lightRig rig="soft" dir="t">
-                <a:rot lat="0" lon="0" rev="15600000"/>
-              </a:lightRig>
-            </a:scene3d>
-            <a:sp3d extrusionH="57150" prstMaterial="softEdge">
-              <a:bevelT w="25400" h="38100"/>
-            </a:sp3d>
-          </a:bodyPr>
+          <a:bodyPr/>
           <a:p>
             <a:pPr algn="ctr"/>
             <a:r>
               <a:rPr lang="en-US" b="1">
                 <a:ln/>
-                <a:solidFill>
-                  <a:schemeClr val="accent4"/>
-                </a:solidFill>
-                <a:effectLst/>
+                <a:pattFill prst="dkUpDiag">
+                  <a:fgClr>
+                    <a:schemeClr val="bg1">
+                      <a:lumMod val="50000"/>
+                    </a:schemeClr>
+                  </a:fgClr>
+                  <a:bgClr>
+                    <a:schemeClr val="tx1">
+                      <a:lumMod val="75000"/>
+                      <a:lumOff val="25000"/>
+                    </a:schemeClr>
+                  </a:bgClr>
+                </a:pattFill>
+                <a:effectLst>
+                  <a:outerShdw blurRad="38100" dist="19050" dir="2700000" algn="tl" rotWithShape="0">
+                    <a:schemeClr val="dk1">
+                      <a:lumMod val="50000"/>
+                      <a:alpha val="40000"/>
+                    </a:schemeClr>
+                  </a:outerShdw>
+                </a:effectLst>
                 <a:latin typeface="Tahoma" panose="020B0604030504040204" charset="0"/>
                 <a:cs typeface="Tahoma" panose="020B0604030504040204" charset="0"/>
               </a:rPr>
@@ -14296,10 +15270,54 @@
             </a:r>
             <a:endParaRPr lang="en-US" b="1">
               <a:ln/>
-              <a:solidFill>
-                <a:schemeClr val="accent4"/>
-              </a:solidFill>
-              <a:effectLst/>
+              <a:pattFill prst="dkUpDiag">
+                <a:fgClr>
+                  <a:schemeClr val="bg1">
+                    <a:lumMod val="50000"/>
+                  </a:schemeClr>
+                </a:fgClr>
+                <a:bgClr>
+                  <a:schemeClr val="tx1">
+                    <a:lumMod val="75000"/>
+                    <a:lumOff val="25000"/>
+                  </a:schemeClr>
+                </a:bgClr>
+              </a:pattFill>
+              <a:effectLst>
+                <a:outerShdw blurRad="38100" dist="19050" dir="2700000" algn="tl" rotWithShape="0">
+                  <a:schemeClr val="dk1">
+                    <a:lumMod val="50000"/>
+                    <a:alpha val="40000"/>
+                  </a:schemeClr>
+                </a:outerShdw>
+              </a:effectLst>
+              <a:latin typeface="Tahoma" panose="020B0604030504040204" charset="0"/>
+              <a:cs typeface="Tahoma" panose="020B0604030504040204" charset="0"/>
+            </a:endParaRPr>
+          </a:p>
+        </p:txBody>
+      </p:sp>
+      <p:sp>
+        <p:nvSpPr>
+          <p:cNvPr id="4" name="Slide Number Placeholder 3"/>
+          <p:cNvSpPr>
+            <a:spLocks noGrp="1"/>
+          </p:cNvSpPr>
+          <p:nvPr>
+            <p:ph type="sldNum" sz="quarter" idx="12"/>
+          </p:nvPr>
+        </p:nvSpPr>
+        <p:spPr/>
+        <p:txBody>
+          <a:bodyPr/>
+          <a:p>
+            <a:fld id="{9B618960-8005-486C-9A75-10CB2AAC16F9}" type="slidenum">
+              <a:rPr lang="en-US" smtClean="0">
+                <a:latin typeface="Tahoma" panose="020B0604030504040204" charset="0"/>
+                <a:cs typeface="Tahoma" panose="020B0604030504040204" charset="0"/>
+              </a:rPr>
+            </a:fld>
+            <a:endParaRPr lang="en-US" smtClean="0">
               <a:latin typeface="Tahoma" panose="020B0604030504040204" charset="0"/>
               <a:cs typeface="Tahoma" panose="020B0604030504040204" charset="0"/>
             </a:endParaRPr>
@@ -14384,6 +15402,33 @@
           </a:graphicData>
         </a:graphic>
       </p:graphicFrame>
+      <p:sp>
+        <p:nvSpPr>
+          <p:cNvPr id="4" name="Slide Number Placeholder 3"/>
+          <p:cNvSpPr>
+            <a:spLocks noGrp="1"/>
+          </p:cNvSpPr>
+          <p:nvPr>
+            <p:ph type="sldNum" sz="quarter" idx="12"/>
+          </p:nvPr>
+        </p:nvSpPr>
+        <p:spPr/>
+        <p:txBody>
+          <a:bodyPr/>
+          <a:p>
+            <a:fld id="{9B618960-8005-486C-9A75-10CB2AAC16F9}" type="slidenum">
+              <a:rPr lang="en-US" smtClean="0">
+                <a:latin typeface="Tahoma" panose="020B0604030504040204" charset="0"/>
+                <a:cs typeface="Tahoma" panose="020B0604030504040204" charset="0"/>
+              </a:rPr>
+            </a:fld>
+            <a:endParaRPr lang="en-US">
+              <a:latin typeface="Tahoma" panose="020B0604030504040204" charset="0"/>
+              <a:cs typeface="Tahoma" panose="020B0604030504040204" charset="0"/>
+            </a:endParaRPr>
+          </a:p>
+        </p:txBody>
+      </p:sp>
     </p:spTree>
   </p:cSld>
   <p:clrMapOvr>
@@ -14446,25 +15491,33 @@
         <p:txBody>
           <a:bodyPr>
             <a:normAutofit/>
-            <a:scene3d>
-              <a:camera prst="orthographicFront"/>
-              <a:lightRig rig="soft" dir="t">
-                <a:rot lat="0" lon="0" rev="15600000"/>
-              </a:lightRig>
-            </a:scene3d>
-            <a:sp3d extrusionH="57150" prstMaterial="softEdge">
-              <a:bevelT w="25400" h="38100"/>
-            </a:sp3d>
           </a:bodyPr>
           <a:p>
             <a:pPr marL="0" indent="0" algn="ctr"/>
             <a:r>
               <a:rPr lang="en-US" b="1">
                 <a:ln/>
-                <a:solidFill>
-                  <a:schemeClr val="accent4"/>
-                </a:solidFill>
-                <a:effectLst/>
+                <a:pattFill prst="dkUpDiag">
+                  <a:fgClr>
+                    <a:schemeClr val="bg1">
+                      <a:lumMod val="50000"/>
+                    </a:schemeClr>
+                  </a:fgClr>
+                  <a:bgClr>
+                    <a:schemeClr val="tx1">
+                      <a:lumMod val="75000"/>
+                      <a:lumOff val="25000"/>
+                    </a:schemeClr>
+                  </a:bgClr>
+                </a:pattFill>
+                <a:effectLst>
+                  <a:outerShdw blurRad="38100" dist="19050" dir="2700000" algn="tl" rotWithShape="0">
+                    <a:schemeClr val="dk1">
+                      <a:lumMod val="50000"/>
+                      <a:alpha val="40000"/>
+                    </a:schemeClr>
+                  </a:outerShdw>
+                </a:effectLst>
                 <a:latin typeface="Tahoma" panose="020B0604030504040204" charset="0"/>
                 <a:cs typeface="Tahoma" panose="020B0604030504040204" charset="0"/>
               </a:rPr>
@@ -14472,10 +15525,54 @@
             </a:r>
             <a:endParaRPr lang="en-US" b="1">
               <a:ln/>
-              <a:solidFill>
-                <a:schemeClr val="accent4"/>
-              </a:solidFill>
-              <a:effectLst/>
+              <a:pattFill prst="dkUpDiag">
+                <a:fgClr>
+                  <a:schemeClr val="bg1">
+                    <a:lumMod val="50000"/>
+                  </a:schemeClr>
+                </a:fgClr>
+                <a:bgClr>
+                  <a:schemeClr val="tx1">
+                    <a:lumMod val="75000"/>
+                    <a:lumOff val="25000"/>
+                  </a:schemeClr>
+                </a:bgClr>
+              </a:pattFill>
+              <a:effectLst>
+                <a:outerShdw blurRad="38100" dist="19050" dir="2700000" algn="tl" rotWithShape="0">
+                  <a:schemeClr val="dk1">
+                    <a:lumMod val="50000"/>
+                    <a:alpha val="40000"/>
+                  </a:schemeClr>
+                </a:outerShdw>
+              </a:effectLst>
+              <a:latin typeface="Tahoma" panose="020B0604030504040204" charset="0"/>
+              <a:cs typeface="Tahoma" panose="020B0604030504040204" charset="0"/>
+            </a:endParaRPr>
+          </a:p>
+        </p:txBody>
+      </p:sp>
+      <p:sp>
+        <p:nvSpPr>
+          <p:cNvPr id="4" name="Slide Number Placeholder 3"/>
+          <p:cNvSpPr>
+            <a:spLocks noGrp="1"/>
+          </p:cNvSpPr>
+          <p:nvPr>
+            <p:ph type="sldNum" sz="quarter" idx="12"/>
+          </p:nvPr>
+        </p:nvSpPr>
+        <p:spPr/>
+        <p:txBody>
+          <a:bodyPr/>
+          <a:p>
+            <a:fld id="{9B618960-8005-486C-9A75-10CB2AAC16F9}" type="slidenum">
+              <a:rPr lang="en-US" smtClean="0">
+                <a:latin typeface="Tahoma" panose="020B0604030504040204" charset="0"/>
+                <a:cs typeface="Tahoma" panose="020B0604030504040204" charset="0"/>
+              </a:rPr>
+            </a:fld>
+            <a:endParaRPr lang="en-US">
               <a:latin typeface="Tahoma" panose="020B0604030504040204" charset="0"/>
               <a:cs typeface="Tahoma" panose="020B0604030504040204" charset="0"/>
             </a:endParaRPr>
@@ -14747,4 +15844,263 @@
     </a:ext>
   </a:extLst>
 </a:theme>
+</file>
+
+<file path=ppt/theme/theme2.xml><?xml version="1.0" encoding="utf-8"?>
+<a:theme xmlns:a="http://schemas.openxmlformats.org/drawingml/2006/main" name="Office Theme">
+  <a:themeElements>
+    <a:clrScheme name="Office">
+      <a:dk1>
+        <a:sysClr val="windowText" lastClr="000000"/>
+      </a:dk1>
+      <a:lt1>
+        <a:sysClr val="window" lastClr="FFFFFF"/>
+      </a:lt1>
+      <a:dk2>
+        <a:srgbClr val="44546A"/>
+      </a:dk2>
+      <a:lt2>
+        <a:srgbClr val="E7E6E6"/>
+      </a:lt2>
+      <a:accent1>
+        <a:srgbClr val="5B9BD5"/>
+      </a:accent1>
+      <a:accent2>
+        <a:srgbClr val="ED7D31"/>
+      </a:accent2>
+      <a:accent3>
+        <a:srgbClr val="A5A5A5"/>
+      </a:accent3>
+      <a:accent4>
+        <a:srgbClr val="FFC000"/>
+      </a:accent4>
+      <a:accent5>
+        <a:srgbClr val="4472C4"/>
+      </a:accent5>
+      <a:accent6>
+        <a:srgbClr val="70AD47"/>
+      </a:accent6>
+      <a:hlink>
+        <a:srgbClr val="0563C1"/>
+      </a:hlink>
+      <a:folHlink>
+        <a:srgbClr val="954F72"/>
+      </a:folHlink>
+    </a:clrScheme>
+    <a:fontScheme name="Office">
+      <a:majorFont>
+        <a:latin typeface="Calibri Light"/>
+        <a:ea typeface=""/>
+        <a:cs typeface=""/>
+        <a:font script="Jpan" typeface="ＭＳ Ｐゴシック"/>
+        <a:font script="Hang" typeface="맑은 고딕"/>
+        <a:font script="Hans" typeface="宋体"/>
+        <a:font script="Hant" typeface="新細明體"/>
+        <a:font script="Arab" typeface="Times New Roman"/>
+        <a:font script="Hebr" typeface="Times New Roman"/>
+        <a:font script="Thai" typeface="Angsana New"/>
+        <a:font script="Ethi" typeface="Nyala"/>
+        <a:font script="Beng" typeface="Vrinda"/>
+        <a:font script="Gujr" typeface="Shruti"/>
+        <a:font script="Khmr" typeface="MoolBoran"/>
+        <a:font script="Knda" typeface="Tunga"/>
+        <a:font script="Guru" typeface="Raavi"/>
+        <a:font script="Cans" typeface="Euphemia"/>
+        <a:font script="Cher" typeface="Plantagenet Cherokee"/>
+        <a:font script="Yiii" typeface="Microsoft Yi Baiti"/>
+        <a:font script="Tibt" typeface="Microsoft Himalaya"/>
+        <a:font script="Thaa" typeface="MV Boli"/>
+        <a:font script="Deva" typeface="Mangal"/>
+        <a:font script="Telu" typeface="Gautami"/>
+        <a:font script="Taml" typeface="Latha"/>
+        <a:font script="Syrc" typeface="Estrangelo Edessa"/>
+        <a:font script="Orya" typeface="Kalinga"/>
+        <a:font script="Mlym" typeface="Kartika"/>
+        <a:font script="Laoo" typeface="DokChampa"/>
+        <a:font script="Sinh" typeface="Iskoola Pota"/>
+        <a:font script="Mong" typeface="Mongolian Baiti"/>
+        <a:font script="Viet" typeface="Times New Roman"/>
+        <a:font script="Uigh" typeface="Microsoft Uighur"/>
+        <a:font script="Geor" typeface="Sylfaen"/>
+      </a:majorFont>
+      <a:minorFont>
+        <a:latin typeface="Calibri"/>
+        <a:ea typeface=""/>
+        <a:cs typeface=""/>
+        <a:font script="Jpan" typeface="ＭＳ Ｐゴシック"/>
+        <a:font script="Hang" typeface="맑은 고딕"/>
+        <a:font script="Hans" typeface="宋体"/>
+        <a:font script="Hant" typeface="新細明體"/>
+        <a:font script="Arab" typeface="Arial"/>
+        <a:font script="Hebr" typeface="Arial"/>
+        <a:font script="Thai" typeface="Cordia New"/>
+        <a:font script="Ethi" typeface="Nyala"/>
+        <a:font script="Beng" typeface="Vrinda"/>
+        <a:font script="Gujr" typeface="Shruti"/>
+        <a:font script="Khmr" typeface="DaunPenh"/>
+        <a:font script="Knda" typeface="Tunga"/>
+        <a:font script="Guru" typeface="Raavi"/>
+        <a:font script="Cans" typeface="Euphemia"/>
+        <a:font script="Cher" typeface="Plantagenet Cherokee"/>
+        <a:font script="Yiii" typeface="Microsoft Yi Baiti"/>
+        <a:font script="Tibt" typeface="Microsoft Himalaya"/>
+        <a:font script="Thaa" typeface="MV Boli"/>
+        <a:font script="Deva" typeface="Mangal"/>
+        <a:font script="Telu" typeface="Gautami"/>
+        <a:font script="Taml" typeface="Latha"/>
+        <a:font script="Syrc" typeface="Estrangelo Edessa"/>
+        <a:font script="Orya" typeface="Kalinga"/>
+        <a:font script="Mlym" typeface="Kartika"/>
+        <a:font script="Laoo" typeface="DokChampa"/>
+        <a:font script="Sinh" typeface="Iskoola Pota"/>
+        <a:font script="Mong" typeface="Mongolian Baiti"/>
+        <a:font script="Viet" typeface="Arial"/>
+        <a:font script="Uigh" typeface="Microsoft Uighur"/>
+        <a:font script="Geor" typeface="Sylfaen"/>
+      </a:minorFont>
+    </a:fontScheme>
+    <a:fmtScheme name="Office">
+      <a:fillStyleLst>
+        <a:solidFill>
+          <a:schemeClr val="phClr"/>
+        </a:solidFill>
+        <a:gradFill rotWithShape="1">
+          <a:gsLst>
+            <a:gs pos="0">
+              <a:schemeClr val="phClr">
+                <a:lumMod val="110000"/>
+                <a:satMod val="105000"/>
+                <a:tint val="67000"/>
+              </a:schemeClr>
+            </a:gs>
+            <a:gs pos="50000">
+              <a:schemeClr val="phClr">
+                <a:lumMod val="105000"/>
+                <a:satMod val="103000"/>
+                <a:tint val="73000"/>
+              </a:schemeClr>
+            </a:gs>
+            <a:gs pos="100000">
+              <a:schemeClr val="phClr">
+                <a:lumMod val="105000"/>
+                <a:satMod val="109000"/>
+                <a:tint val="81000"/>
+              </a:schemeClr>
+            </a:gs>
+          </a:gsLst>
+          <a:lin ang="5400000" scaled="0"/>
+        </a:gradFill>
+        <a:gradFill rotWithShape="1">
+          <a:gsLst>
+            <a:gs pos="0">
+              <a:schemeClr val="phClr">
+                <a:satMod val="103000"/>
+                <a:lumMod val="102000"/>
+                <a:tint val="94000"/>
+              </a:schemeClr>
+            </a:gs>
+            <a:gs pos="50000">
+              <a:schemeClr val="phClr">
+                <a:satMod val="110000"/>
+                <a:lumMod val="100000"/>
+                <a:shade val="100000"/>
+              </a:schemeClr>
+            </a:gs>
+            <a:gs pos="100000">
+              <a:schemeClr val="phClr">
+                <a:lumMod val="99000"/>
+                <a:satMod val="120000"/>
+                <a:shade val="78000"/>
+              </a:schemeClr>
+            </a:gs>
+          </a:gsLst>
+          <a:lin ang="5400000" scaled="0"/>
+        </a:gradFill>
+      </a:fillStyleLst>
+      <a:lnStyleLst>
+        <a:ln w="6350" cap="flat" cmpd="sng" algn="ctr">
+          <a:solidFill>
+            <a:schemeClr val="phClr"/>
+          </a:solidFill>
+          <a:prstDash val="solid"/>
+          <a:miter lim="800000"/>
+        </a:ln>
+        <a:ln w="12700" cap="flat" cmpd="sng" algn="ctr">
+          <a:solidFill>
+            <a:schemeClr val="phClr"/>
+          </a:solidFill>
+          <a:prstDash val="solid"/>
+          <a:miter lim="800000"/>
+        </a:ln>
+        <a:ln w="19050" cap="flat" cmpd="sng" algn="ctr">
+          <a:solidFill>
+            <a:schemeClr val="phClr"/>
+          </a:solidFill>
+          <a:prstDash val="solid"/>
+          <a:miter lim="800000"/>
+        </a:ln>
+      </a:lnStyleLst>
+      <a:effectStyleLst>
+        <a:effectStyle>
+          <a:effectLst/>
+        </a:effectStyle>
+        <a:effectStyle>
+          <a:effectLst/>
+        </a:effectStyle>
+        <a:effectStyle>
+          <a:effectLst>
+            <a:outerShdw blurRad="57150" dist="19050" dir="5400000" algn="ctr" rotWithShape="0">
+              <a:srgbClr val="000000">
+                <a:alpha val="63000"/>
+              </a:srgbClr>
+            </a:outerShdw>
+          </a:effectLst>
+        </a:effectStyle>
+      </a:effectStyleLst>
+      <a:bgFillStyleLst>
+        <a:solidFill>
+          <a:schemeClr val="phClr"/>
+        </a:solidFill>
+        <a:solidFill>
+          <a:schemeClr val="phClr">
+            <a:tint val="95000"/>
+            <a:satMod val="170000"/>
+          </a:schemeClr>
+        </a:solidFill>
+        <a:gradFill rotWithShape="1">
+          <a:gsLst>
+            <a:gs pos="0">
+              <a:schemeClr val="phClr">
+                <a:tint val="93000"/>
+                <a:satMod val="150000"/>
+                <a:shade val="98000"/>
+                <a:lumMod val="102000"/>
+              </a:schemeClr>
+            </a:gs>
+            <a:gs pos="50000">
+              <a:schemeClr val="phClr">
+                <a:tint val="98000"/>
+                <a:satMod val="130000"/>
+                <a:shade val="90000"/>
+                <a:lumMod val="103000"/>
+              </a:schemeClr>
+            </a:gs>
+            <a:gs pos="100000">
+              <a:schemeClr val="phClr">
+                <a:shade val="63000"/>
+                <a:satMod val="120000"/>
+              </a:schemeClr>
+            </a:gs>
+          </a:gsLst>
+          <a:lin ang="5400000" scaled="0"/>
+        </a:gradFill>
+      </a:bgFillStyleLst>
+    </a:fmtScheme>
+  </a:themeElements>
+  <a:extLst>
+    <a:ext uri="{05A4C25C-085E-4340-85A3-A5531E510DB2}">
+      <thm15:themeFamily xmlns:thm15="http://schemas.microsoft.com/office/thememl/2012/main" name="Office Theme" id="{62F939B6-93AF-4DB8-9C6B-D6C7DFDC589F}" vid="{4A3C46E8-61CC-4603-A589-7422A47A8E4A}"/>
+    </a:ext>
+  </a:extLst>
+</a:theme>
 </file>
--- a/PP_DL.pptx
+++ b/PP_DL.pptx
@@ -12742,8 +12742,8 @@
         </p:nvSpPr>
         <p:spPr>
           <a:xfrm>
-            <a:off x="1524000" y="1012825"/>
-            <a:ext cx="9144000" cy="3143250"/>
+            <a:off x="1675765" y="2007235"/>
+            <a:ext cx="9425305" cy="2499995"/>
           </a:xfrm>
           <a:prstGeom prst="roundRect">
             <a:avLst/>
@@ -12765,7 +12765,7 @@
         </p:style>
         <p:txBody>
           <a:bodyPr>
-            <a:normAutofit fontScale="90000"/>
+            <a:normAutofit/>
           </a:bodyPr>
           <a:lstStyle/>
           <a:p>
@@ -12775,7 +12775,7 @@
               </a:lnSpc>
             </a:pPr>
             <a:r>
-              <a:rPr lang="en-US" sz="4000" b="1" dirty="0">
+              <a:rPr lang="en-US" sz="3500" b="1" dirty="0">
                 <a:ln w="10160">
                   <a:solidFill>
                     <a:schemeClr val="accent5"/>
@@ -12798,7 +12798,7 @@
               <a:t>PHÁT HUY NGUỒN LỰC CON NGƯỜI LÀ YẾU TỐ CƠ BẢN CHO SỰ PHÁT TRIỂN VÀ BỀN VỮNG TRONG QUÁ TRÌNH CÔNG </a:t>
             </a:r>
             <a:r>
-              <a:rPr lang="en-US" sz="4000" b="1" dirty="0">
+              <a:rPr lang="en-US" sz="3500" b="1" dirty="0">
                 <a:ln w="10160">
                   <a:solidFill>
                     <a:schemeClr val="accent5"/>
@@ -12815,7 +12815,7 @@
               <a:t>NGHIỆP </a:t>
             </a:r>
             <a:r>
-              <a:rPr lang="en-US" sz="4000" b="1" dirty="0">
+              <a:rPr lang="en-US" sz="3500" b="1" dirty="0">
                 <a:ln w="10160">
                   <a:solidFill>
                     <a:schemeClr val="accent5"/>
@@ -12837,7 +12837,7 @@
               </a:rPr>
               <a:t>HÓA - HIỆN ĐẠI HÓA</a:t>
             </a:r>
-            <a:endParaRPr lang="en-US" sz="4000" b="1" dirty="0">
+            <a:endParaRPr lang="en-US" sz="3500" b="1" dirty="0">
               <a:ln w="10160">
                 <a:solidFill>
                   <a:schemeClr val="accent5"/>
@@ -12872,7 +12872,7 @@
         </p:nvSpPr>
         <p:spPr>
           <a:xfrm>
-            <a:off x="6772275" y="4711700"/>
+            <a:off x="6772275" y="5013960"/>
             <a:ext cx="5217160" cy="1775460"/>
           </a:xfrm>
         </p:spPr>
@@ -12885,7 +12885,6 @@
             <a:pPr algn="l"/>
             <a:r>
               <a:rPr lang="en-US" sz="2600">
-                <a:ln/>
                 <a:pattFill prst="dkUpDiag">
                   <a:fgClr>
                     <a:schemeClr val="bg1">
@@ -12913,7 +12912,6 @@
               <a:t>Thành viên :</a:t>
             </a:r>
             <a:endParaRPr lang="en-US">
-              <a:ln/>
               <a:pattFill prst="dkUpDiag">
                 <a:fgClr>
                   <a:schemeClr val="bg1">
@@ -12943,7 +12941,6 @@
             <a:pPr algn="l"/>
             <a:r>
               <a:rPr lang="en-US">
-                <a:ln/>
                 <a:pattFill prst="dkUpDiag">
                   <a:fgClr>
                     <a:schemeClr val="bg1">
@@ -12971,7 +12968,6 @@
               <a:t>Nguyễn Duy Khang 	18110131</a:t>
             </a:r>
             <a:endParaRPr lang="en-US">
-              <a:ln/>
               <a:pattFill prst="dkUpDiag">
                 <a:fgClr>
                   <a:schemeClr val="bg1">
@@ -13001,7 +12997,6 @@
             <a:pPr algn="l"/>
             <a:r>
               <a:rPr lang="en-US" b="1">
-                <a:ln/>
                 <a:pattFill prst="dkUpDiag">
                   <a:fgClr>
                     <a:schemeClr val="bg1">
@@ -13030,7 +13025,6 @@
             </a:r>
             <a:r>
               <a:rPr lang="en-US">
-                <a:ln/>
                 <a:pattFill prst="dkUpDiag">
                   <a:fgClr>
                     <a:schemeClr val="bg1">
@@ -13058,7 +13052,6 @@
               <a:t>	18110142</a:t>
             </a:r>
             <a:endParaRPr lang="en-US">
-              <a:ln/>
               <a:pattFill prst="dkUpDiag">
                 <a:fgClr>
                   <a:schemeClr val="bg1">
@@ -13088,7 +13081,6 @@
             <a:pPr algn="l"/>
             <a:r>
               <a:rPr lang="en-US" b="1">
-                <a:ln/>
                 <a:pattFill prst="dkUpDiag">
                   <a:fgClr>
                     <a:schemeClr val="bg1">
@@ -13117,7 +13109,6 @@
             </a:r>
             <a:r>
               <a:rPr lang="en-US">
-                <a:ln/>
                 <a:pattFill prst="dkUpDiag">
                   <a:fgClr>
                     <a:schemeClr val="bg1">
@@ -13145,7 +13136,6 @@
               <a:t>: T.s Phùng Thế Anh</a:t>
             </a:r>
             <a:endParaRPr lang="en-US">
-              <a:ln/>
               <a:pattFill prst="dkUpDiag">
                 <a:fgClr>
                   <a:schemeClr val="bg1">
@@ -13201,7 +13191,6 @@
             <a:pPr algn="ctr"/>
             <a:r>
               <a:rPr lang="en-US" sz="2800" b="1">
-                <a:ln/>
                 <a:pattFill prst="dkUpDiag">
                   <a:fgClr>
                     <a:schemeClr val="bg1">
@@ -13229,7 +13218,6 @@
               <a:t>TRƯỜNG ĐẠI HỌC SƯ PHẠM KỸ THUẬT TP. HỒ CHÍ MINH</a:t>
             </a:r>
             <a:endParaRPr lang="en-US" sz="2800" b="1">
-              <a:ln/>
               <a:pattFill prst="dkUpDiag">
                 <a:fgClr>
                   <a:schemeClr val="bg1">
@@ -13284,6 +13272,30 @@
           </a:p>
         </p:txBody>
       </p:sp>
+      <p:pic>
+        <p:nvPicPr>
+          <p:cNvPr id="5" name="Picture 4"/>
+          <p:cNvPicPr>
+            <a:picLocks noChangeAspect="1"/>
+          </p:cNvPicPr>
+          <p:nvPr/>
+        </p:nvPicPr>
+        <p:blipFill>
+          <a:blip r:embed="rId1"/>
+          <a:stretch>
+            <a:fillRect/>
+          </a:stretch>
+        </p:blipFill>
+        <p:spPr>
+          <a:xfrm>
+            <a:off x="5509895" y="710565"/>
+            <a:ext cx="1173480" cy="1209675"/>
+          </a:xfrm>
+          <a:prstGeom prst="rect">
+            <a:avLst/>
+          </a:prstGeom>
+        </p:spPr>
+      </p:pic>
     </p:spTree>
   </p:cSld>
   <p:clrMapOvr>
@@ -14552,7 +14564,6 @@
             <a:pPr algn="ctr"/>
             <a:r>
               <a:rPr lang="en-US" b="1">
-                <a:ln/>
                 <a:pattFill prst="dkUpDiag">
                   <a:fgClr>
                     <a:schemeClr val="bg1">
@@ -14581,7 +14592,6 @@
             </a:r>
             <a:r>
               <a:rPr lang="en-US" b="1">
-                <a:ln/>
                 <a:pattFill prst="dkUpDiag">
                   <a:fgClr>
                     <a:schemeClr val="bg1">
@@ -15241,7 +15251,6 @@
             <a:pPr algn="ctr"/>
             <a:r>
               <a:rPr lang="en-US" b="1">
-                <a:ln/>
                 <a:pattFill prst="dkUpDiag">
                   <a:fgClr>
                     <a:schemeClr val="bg1">
@@ -15269,7 +15278,6 @@
               <a:t>2. CÁC NHÂN TỐ ẢNH HƯỞNG ĐẾN NGUỒN LỰC CON NGƯỜI</a:t>
             </a:r>
             <a:endParaRPr lang="en-US" b="1">
-              <a:ln/>
               <a:pattFill prst="dkUpDiag">
                 <a:fgClr>
                   <a:schemeClr val="bg1">
@@ -15496,7 +15504,6 @@
             <a:pPr marL="0" indent="0" algn="ctr"/>
             <a:r>
               <a:rPr lang="en-US" b="1">
-                <a:ln/>
                 <a:pattFill prst="dkUpDiag">
                   <a:fgClr>
                     <a:schemeClr val="bg1">
@@ -15524,7 +15531,6 @@
               <a:t>3. NGUỒN LỰC CON NGƯỜI LÀ NGUỒN LỰC CƠ BẢN CHO SỰ PHÁT TRIỂN BỀN VỮNG TRONG QUÁ TRÌNH CÔNG NGHIỆP HÓA HIỆN ĐẠI HÓA</a:t>
             </a:r>
             <a:endParaRPr lang="en-US" b="1">
-              <a:ln/>
               <a:pattFill prst="dkUpDiag">
                 <a:fgClr>
                   <a:schemeClr val="bg1">
